--- a/Zoonomia_project/Data_analysis/Suplementary_data_1.pptx
+++ b/Zoonomia_project/Data_analysis/Suplementary_data_1.pptx
@@ -6,7 +6,7 @@
     <p:sldMasterId id="2147483674" r:id="rId2"/>
   </p:sldMasterIdLst>
   <p:notesMasterIdLst>
-    <p:notesMasterId r:id="rId15"/>
+    <p:notesMasterId r:id="rId20"/>
   </p:notesMasterIdLst>
   <p:sldIdLst>
     <p:sldId id="256" r:id="rId3"/>
@@ -20,7 +20,12 @@
     <p:sldId id="263" r:id="rId11"/>
     <p:sldId id="264" r:id="rId12"/>
     <p:sldId id="265" r:id="rId13"/>
-    <p:sldId id="285" r:id="rId14"/>
+    <p:sldId id="288" r:id="rId14"/>
+    <p:sldId id="289" r:id="rId15"/>
+    <p:sldId id="290" r:id="rId16"/>
+    <p:sldId id="291" r:id="rId17"/>
+    <p:sldId id="292" r:id="rId18"/>
+    <p:sldId id="285" r:id="rId19"/>
   </p:sldIdLst>
   <p:sldSz cx="12192000" cy="6858000"/>
   <p:notesSz cx="6858000" cy="9144000"/>
@@ -12869,6 +12874,284 @@
           <a:chExt cx="0" cy="0"/>
         </a:xfrm>
       </p:grpSpPr>
+      <p:pic>
+        <p:nvPicPr>
+          <p:cNvPr id="5" name="Picture 4">
+            <a:extLst>
+              <a:ext uri="{FF2B5EF4-FFF2-40B4-BE49-F238E27FC236}">
+                <a16:creationId xmlns:a16="http://schemas.microsoft.com/office/drawing/2014/main" id="{A1C77E35-5006-0ACE-B714-DDB54638F191}"/>
+              </a:ext>
+            </a:extLst>
+          </p:cNvPr>
+          <p:cNvPicPr>
+            <a:picLocks noChangeAspect="1"/>
+          </p:cNvPicPr>
+          <p:nvPr/>
+        </p:nvPicPr>
+        <p:blipFill>
+          <a:blip r:embed="rId2"/>
+          <a:stretch>
+            <a:fillRect/>
+          </a:stretch>
+        </p:blipFill>
+        <p:spPr>
+          <a:xfrm>
+            <a:off x="0" y="1002093"/>
+            <a:ext cx="12192000" cy="4853813"/>
+          </a:xfrm>
+          <a:prstGeom prst="rect">
+            <a:avLst/>
+          </a:prstGeom>
+        </p:spPr>
+      </p:pic>
+    </p:spTree>
+    <p:extLst>
+      <p:ext uri="{BB962C8B-B14F-4D97-AF65-F5344CB8AC3E}">
+        <p14:creationId xmlns:p14="http://schemas.microsoft.com/office/powerpoint/2010/main" val="2558454298"/>
+      </p:ext>
+    </p:extLst>
+  </p:cSld>
+  <p:clrMapOvr>
+    <a:masterClrMapping/>
+  </p:clrMapOvr>
+</p:sld>
+</file>
+
+<file path=ppt/slides/slide13.xml><?xml version="1.0" encoding="utf-8"?>
+<p:sld xmlns:a="http://schemas.openxmlformats.org/drawingml/2006/main" xmlns:r="http://schemas.openxmlformats.org/officeDocument/2006/relationships" xmlns:p="http://schemas.openxmlformats.org/presentationml/2006/main">
+  <p:cSld>
+    <p:spTree>
+      <p:nvGrpSpPr>
+        <p:cNvPr id="1" name=""/>
+        <p:cNvGrpSpPr/>
+        <p:nvPr/>
+      </p:nvGrpSpPr>
+      <p:grpSpPr>
+        <a:xfrm>
+          <a:off x="0" y="0"/>
+          <a:ext cx="0" cy="0"/>
+          <a:chOff x="0" y="0"/>
+          <a:chExt cx="0" cy="0"/>
+        </a:xfrm>
+      </p:grpSpPr>
+      <p:pic>
+        <p:nvPicPr>
+          <p:cNvPr id="5" name="Picture 4">
+            <a:extLst>
+              <a:ext uri="{FF2B5EF4-FFF2-40B4-BE49-F238E27FC236}">
+                <a16:creationId xmlns:a16="http://schemas.microsoft.com/office/drawing/2014/main" id="{1415D5B2-F7B5-F0BF-E476-48449426A43F}"/>
+              </a:ext>
+            </a:extLst>
+          </p:cNvPr>
+          <p:cNvPicPr>
+            <a:picLocks noChangeAspect="1"/>
+          </p:cNvPicPr>
+          <p:nvPr/>
+        </p:nvPicPr>
+        <p:blipFill>
+          <a:blip r:embed="rId2"/>
+          <a:stretch>
+            <a:fillRect/>
+          </a:stretch>
+        </p:blipFill>
+        <p:spPr>
+          <a:xfrm>
+            <a:off x="0" y="1132919"/>
+            <a:ext cx="12192000" cy="4592162"/>
+          </a:xfrm>
+          <a:prstGeom prst="rect">
+            <a:avLst/>
+          </a:prstGeom>
+        </p:spPr>
+      </p:pic>
+    </p:spTree>
+    <p:extLst>
+      <p:ext uri="{BB962C8B-B14F-4D97-AF65-F5344CB8AC3E}">
+        <p14:creationId xmlns:p14="http://schemas.microsoft.com/office/powerpoint/2010/main" val="3987543279"/>
+      </p:ext>
+    </p:extLst>
+  </p:cSld>
+  <p:clrMapOvr>
+    <a:masterClrMapping/>
+  </p:clrMapOvr>
+</p:sld>
+</file>
+
+<file path=ppt/slides/slide14.xml><?xml version="1.0" encoding="utf-8"?>
+<p:sld xmlns:a="http://schemas.openxmlformats.org/drawingml/2006/main" xmlns:r="http://schemas.openxmlformats.org/officeDocument/2006/relationships" xmlns:p="http://schemas.openxmlformats.org/presentationml/2006/main">
+  <p:cSld>
+    <p:bg>
+      <p:bgPr>
+        <a:solidFill>
+          <a:schemeClr val="bg1"/>
+        </a:solidFill>
+        <a:effectLst/>
+      </p:bgPr>
+    </p:bg>
+    <p:spTree>
+      <p:nvGrpSpPr>
+        <p:cNvPr id="1" name=""/>
+        <p:cNvGrpSpPr/>
+        <p:nvPr/>
+      </p:nvGrpSpPr>
+      <p:grpSpPr>
+        <a:xfrm>
+          <a:off x="0" y="0"/>
+          <a:ext cx="0" cy="0"/>
+          <a:chOff x="0" y="0"/>
+          <a:chExt cx="0" cy="0"/>
+        </a:xfrm>
+      </p:grpSpPr>
+      <p:pic>
+        <p:nvPicPr>
+          <p:cNvPr id="5" name="Picture 4">
+            <a:extLst>
+              <a:ext uri="{FF2B5EF4-FFF2-40B4-BE49-F238E27FC236}">
+                <a16:creationId xmlns:a16="http://schemas.microsoft.com/office/drawing/2014/main" id="{470914AC-9C2C-5736-3389-10292ECE12AA}"/>
+              </a:ext>
+            </a:extLst>
+          </p:cNvPr>
+          <p:cNvPicPr>
+            <a:picLocks noChangeAspect="1"/>
+          </p:cNvPicPr>
+          <p:nvPr/>
+        </p:nvPicPr>
+        <p:blipFill>
+          <a:blip r:embed="rId2"/>
+          <a:stretch>
+            <a:fillRect/>
+          </a:stretch>
+        </p:blipFill>
+        <p:spPr>
+          <a:xfrm>
+            <a:off x="2890602" y="32657"/>
+            <a:ext cx="7200000" cy="2772000"/>
+          </a:xfrm>
+          <a:prstGeom prst="rect">
+            <a:avLst/>
+          </a:prstGeom>
+        </p:spPr>
+      </p:pic>
+      <p:pic>
+        <p:nvPicPr>
+          <p:cNvPr id="6" name="Picture 5">
+            <a:extLst>
+              <a:ext uri="{FF2B5EF4-FFF2-40B4-BE49-F238E27FC236}">
+                <a16:creationId xmlns:a16="http://schemas.microsoft.com/office/drawing/2014/main" id="{81E5829D-115F-211A-DF95-97F0EFAD5C38}"/>
+              </a:ext>
+            </a:extLst>
+          </p:cNvPr>
+          <p:cNvPicPr>
+            <a:picLocks noChangeAspect="1"/>
+          </p:cNvPicPr>
+          <p:nvPr/>
+        </p:nvPicPr>
+        <p:blipFill>
+          <a:blip r:embed="rId3"/>
+          <a:stretch>
+            <a:fillRect/>
+          </a:stretch>
+        </p:blipFill>
+        <p:spPr>
+          <a:xfrm>
+            <a:off x="2890602" y="2804657"/>
+            <a:ext cx="7200000" cy="2753997"/>
+          </a:xfrm>
+          <a:prstGeom prst="rect">
+            <a:avLst/>
+          </a:prstGeom>
+        </p:spPr>
+      </p:pic>
+    </p:spTree>
+    <p:extLst>
+      <p:ext uri="{BB962C8B-B14F-4D97-AF65-F5344CB8AC3E}">
+        <p14:creationId xmlns:p14="http://schemas.microsoft.com/office/powerpoint/2010/main" val="2116106715"/>
+      </p:ext>
+    </p:extLst>
+  </p:cSld>
+  <p:clrMapOvr>
+    <a:masterClrMapping/>
+  </p:clrMapOvr>
+</p:sld>
+</file>
+
+<file path=ppt/slides/slide15.xml><?xml version="1.0" encoding="utf-8"?>
+<p:sld xmlns:a="http://schemas.openxmlformats.org/drawingml/2006/main" xmlns:r="http://schemas.openxmlformats.org/officeDocument/2006/relationships" xmlns:p="http://schemas.openxmlformats.org/presentationml/2006/main">
+  <p:cSld>
+    <p:spTree>
+      <p:nvGrpSpPr>
+        <p:cNvPr id="1" name=""/>
+        <p:cNvGrpSpPr/>
+        <p:nvPr/>
+      </p:nvGrpSpPr>
+      <p:grpSpPr>
+        <a:xfrm>
+          <a:off x="0" y="0"/>
+          <a:ext cx="0" cy="0"/>
+          <a:chOff x="0" y="0"/>
+          <a:chExt cx="0" cy="0"/>
+        </a:xfrm>
+      </p:grpSpPr>
+    </p:spTree>
+    <p:extLst>
+      <p:ext uri="{BB962C8B-B14F-4D97-AF65-F5344CB8AC3E}">
+        <p14:creationId xmlns:p14="http://schemas.microsoft.com/office/powerpoint/2010/main" val="966708554"/>
+      </p:ext>
+    </p:extLst>
+  </p:cSld>
+  <p:clrMapOvr>
+    <a:masterClrMapping/>
+  </p:clrMapOvr>
+</p:sld>
+</file>
+
+<file path=ppt/slides/slide16.xml><?xml version="1.0" encoding="utf-8"?>
+<p:sld xmlns:a="http://schemas.openxmlformats.org/drawingml/2006/main" xmlns:r="http://schemas.openxmlformats.org/officeDocument/2006/relationships" xmlns:p="http://schemas.openxmlformats.org/presentationml/2006/main">
+  <p:cSld>
+    <p:spTree>
+      <p:nvGrpSpPr>
+        <p:cNvPr id="1" name=""/>
+        <p:cNvGrpSpPr/>
+        <p:nvPr/>
+      </p:nvGrpSpPr>
+      <p:grpSpPr>
+        <a:xfrm>
+          <a:off x="0" y="0"/>
+          <a:ext cx="0" cy="0"/>
+          <a:chOff x="0" y="0"/>
+          <a:chExt cx="0" cy="0"/>
+        </a:xfrm>
+      </p:grpSpPr>
+    </p:spTree>
+    <p:extLst>
+      <p:ext uri="{BB962C8B-B14F-4D97-AF65-F5344CB8AC3E}">
+        <p14:creationId xmlns:p14="http://schemas.microsoft.com/office/powerpoint/2010/main" val="409079233"/>
+      </p:ext>
+    </p:extLst>
+  </p:cSld>
+  <p:clrMapOvr>
+    <a:masterClrMapping/>
+  </p:clrMapOvr>
+</p:sld>
+</file>
+
+<file path=ppt/slides/slide17.xml><?xml version="1.0" encoding="utf-8"?>
+<p:sld xmlns:a="http://schemas.openxmlformats.org/drawingml/2006/main" xmlns:r="http://schemas.openxmlformats.org/officeDocument/2006/relationships" xmlns:p="http://schemas.openxmlformats.org/presentationml/2006/main">
+  <p:cSld>
+    <p:spTree>
+      <p:nvGrpSpPr>
+        <p:cNvPr id="1" name=""/>
+        <p:cNvGrpSpPr/>
+        <p:nvPr/>
+      </p:nvGrpSpPr>
+      <p:grpSpPr>
+        <a:xfrm>
+          <a:off x="0" y="0"/>
+          <a:ext cx="0" cy="0"/>
+          <a:chOff x="0" y="0"/>
+          <a:chExt cx="0" cy="0"/>
+        </a:xfrm>
+      </p:grpSpPr>
       <p:sp>
         <p:nvSpPr>
           <p:cNvPr id="5" name="Rectangle: Rounded Corners 4">
@@ -15887,7 +16170,7 @@
         </p:blipFill>
         <p:spPr>
           <a:xfrm>
-            <a:off x="4182377" y="3497685"/>
+            <a:off x="4182377" y="3499696"/>
             <a:ext cx="3600000" cy="3358304"/>
           </a:xfrm>
           <a:prstGeom prst="rect">

--- a/Zoonomia_project/Data_analysis/Suplementary_data_1.pptx
+++ b/Zoonomia_project/Data_analysis/Suplementary_data_1.pptx
@@ -6,7 +6,7 @@
     <p:sldMasterId id="2147483674" r:id="rId2"/>
   </p:sldMasterIdLst>
   <p:notesMasterIdLst>
-    <p:notesMasterId r:id="rId20"/>
+    <p:notesMasterId r:id="rId18"/>
   </p:notesMasterIdLst>
   <p:sldIdLst>
     <p:sldId id="256" r:id="rId3"/>
@@ -23,9 +23,7 @@
     <p:sldId id="288" r:id="rId14"/>
     <p:sldId id="289" r:id="rId15"/>
     <p:sldId id="290" r:id="rId16"/>
-    <p:sldId id="291" r:id="rId17"/>
-    <p:sldId id="292" r:id="rId18"/>
-    <p:sldId id="285" r:id="rId19"/>
+    <p:sldId id="285" r:id="rId17"/>
   </p:sldIdLst>
   <p:sldSz cx="12192000" cy="6858000"/>
   <p:notesSz cx="6858000" cy="9144000"/>
@@ -13092,66 +13090,6 @@
           <a:chExt cx="0" cy="0"/>
         </a:xfrm>
       </p:grpSpPr>
-    </p:spTree>
-    <p:extLst>
-      <p:ext uri="{BB962C8B-B14F-4D97-AF65-F5344CB8AC3E}">
-        <p14:creationId xmlns:p14="http://schemas.microsoft.com/office/powerpoint/2010/main" val="966708554"/>
-      </p:ext>
-    </p:extLst>
-  </p:cSld>
-  <p:clrMapOvr>
-    <a:masterClrMapping/>
-  </p:clrMapOvr>
-</p:sld>
-</file>
-
-<file path=ppt/slides/slide16.xml><?xml version="1.0" encoding="utf-8"?>
-<p:sld xmlns:a="http://schemas.openxmlformats.org/drawingml/2006/main" xmlns:r="http://schemas.openxmlformats.org/officeDocument/2006/relationships" xmlns:p="http://schemas.openxmlformats.org/presentationml/2006/main">
-  <p:cSld>
-    <p:spTree>
-      <p:nvGrpSpPr>
-        <p:cNvPr id="1" name=""/>
-        <p:cNvGrpSpPr/>
-        <p:nvPr/>
-      </p:nvGrpSpPr>
-      <p:grpSpPr>
-        <a:xfrm>
-          <a:off x="0" y="0"/>
-          <a:ext cx="0" cy="0"/>
-          <a:chOff x="0" y="0"/>
-          <a:chExt cx="0" cy="0"/>
-        </a:xfrm>
-      </p:grpSpPr>
-    </p:spTree>
-    <p:extLst>
-      <p:ext uri="{BB962C8B-B14F-4D97-AF65-F5344CB8AC3E}">
-        <p14:creationId xmlns:p14="http://schemas.microsoft.com/office/powerpoint/2010/main" val="409079233"/>
-      </p:ext>
-    </p:extLst>
-  </p:cSld>
-  <p:clrMapOvr>
-    <a:masterClrMapping/>
-  </p:clrMapOvr>
-</p:sld>
-</file>
-
-<file path=ppt/slides/slide17.xml><?xml version="1.0" encoding="utf-8"?>
-<p:sld xmlns:a="http://schemas.openxmlformats.org/drawingml/2006/main" xmlns:r="http://schemas.openxmlformats.org/officeDocument/2006/relationships" xmlns:p="http://schemas.openxmlformats.org/presentationml/2006/main">
-  <p:cSld>
-    <p:spTree>
-      <p:nvGrpSpPr>
-        <p:cNvPr id="1" name=""/>
-        <p:cNvGrpSpPr/>
-        <p:nvPr/>
-      </p:nvGrpSpPr>
-      <p:grpSpPr>
-        <a:xfrm>
-          <a:off x="0" y="0"/>
-          <a:ext cx="0" cy="0"/>
-          <a:chOff x="0" y="0"/>
-          <a:chExt cx="0" cy="0"/>
-        </a:xfrm>
-      </p:grpSpPr>
       <p:sp>
         <p:nvSpPr>
           <p:cNvPr id="5" name="Rectangle: Rounded Corners 4">
